--- a/Slides/Fig12.pptx
+++ b/Slides/Fig12.pptx
@@ -3334,12 +3334,166 @@
           <a:chExt cx="0" cy="0"/>
         </a:xfrm>
       </p:grpSpPr>
+      <p:sp useBgFill="1">
+        <p:nvSpPr>
+          <p:cNvPr id="14" name="Rectangle 13">
+            <a:extLst>
+              <a:ext uri="{FF2B5EF4-FFF2-40B4-BE49-F238E27FC236}">
+                <a16:creationId xmlns:a16="http://schemas.microsoft.com/office/drawing/2014/main" id="{42A4FC2C-047E-45A5-965D-8E1E3BF09BC6}"/>
+              </a:ext>
+              <a:ext uri="{C183D7F6-B498-43B3-948B-1728B52AA6E4}">
+                <adec:decorative xmlns:adec="http://schemas.microsoft.com/office/drawing/2017/decorative" val="1"/>
+              </a:ext>
+            </a:extLst>
+          </p:cNvPr>
+          <p:cNvSpPr>
+            <a:spLocks noGrp="1" noRot="1" noChangeAspect="1" noMove="1" noResize="1" noEditPoints="1" noAdjustHandles="1" noChangeArrowheads="1" noChangeShapeType="1" noTextEdit="1"/>
+          </p:cNvSpPr>
+          <p:nvPr>
+            <p:extLst>
+              <p:ext uri="{386F3935-93C4-4BCD-93E2-E3B085C9AB24}">
+                <p16:designElem xmlns:p16="http://schemas.microsoft.com/office/powerpoint/2015/main" val="1"/>
+              </p:ext>
+            </p:extLst>
+          </p:nvPr>
+        </p:nvSpPr>
+        <p:spPr bwMode="white">
+          <a:xfrm>
+            <a:off x="1524" y="0"/>
+            <a:ext cx="12188952" cy="6858000"/>
+          </a:xfrm>
+          <a:prstGeom prst="rect">
+            <a:avLst/>
+          </a:prstGeom>
+          <a:ln>
+            <a:noFill/>
+          </a:ln>
+        </p:spPr>
+        <p:style>
+          <a:lnRef idx="2">
+            <a:schemeClr val="accent1">
+              <a:shade val="50000"/>
+            </a:schemeClr>
+          </a:lnRef>
+          <a:fillRef idx="1">
+            <a:schemeClr val="accent1"/>
+          </a:fillRef>
+          <a:effectRef idx="0">
+            <a:schemeClr val="accent1"/>
+          </a:effectRef>
+          <a:fontRef idx="minor">
+            <a:schemeClr val="lt1"/>
+          </a:fontRef>
+        </p:style>
+        <p:txBody>
+          <a:bodyPr rtlCol="0" anchor="ctr"/>
+          <a:lstStyle>
+            <a:defPPr>
+              <a:defRPr lang="en-US"/>
+            </a:defPPr>
+            <a:lvl1pPr marL="0" algn="l" defTabSz="914400" rtl="0" eaLnBrk="1" latinLnBrk="0" hangingPunct="1">
+              <a:defRPr sz="1800" kern="1200">
+                <a:solidFill>
+                  <a:schemeClr val="lt1"/>
+                </a:solidFill>
+                <a:latin typeface="+mn-lt"/>
+                <a:ea typeface="+mn-ea"/>
+                <a:cs typeface="+mn-cs"/>
+              </a:defRPr>
+            </a:lvl1pPr>
+            <a:lvl2pPr marL="457200" algn="l" defTabSz="914400" rtl="0" eaLnBrk="1" latinLnBrk="0" hangingPunct="1">
+              <a:defRPr sz="1800" kern="1200">
+                <a:solidFill>
+                  <a:schemeClr val="lt1"/>
+                </a:solidFill>
+                <a:latin typeface="+mn-lt"/>
+                <a:ea typeface="+mn-ea"/>
+                <a:cs typeface="+mn-cs"/>
+              </a:defRPr>
+            </a:lvl2pPr>
+            <a:lvl3pPr marL="914400" algn="l" defTabSz="914400" rtl="0" eaLnBrk="1" latinLnBrk="0" hangingPunct="1">
+              <a:defRPr sz="1800" kern="1200">
+                <a:solidFill>
+                  <a:schemeClr val="lt1"/>
+                </a:solidFill>
+                <a:latin typeface="+mn-lt"/>
+                <a:ea typeface="+mn-ea"/>
+                <a:cs typeface="+mn-cs"/>
+              </a:defRPr>
+            </a:lvl3pPr>
+            <a:lvl4pPr marL="1371600" algn="l" defTabSz="914400" rtl="0" eaLnBrk="1" latinLnBrk="0" hangingPunct="1">
+              <a:defRPr sz="1800" kern="1200">
+                <a:solidFill>
+                  <a:schemeClr val="lt1"/>
+                </a:solidFill>
+                <a:latin typeface="+mn-lt"/>
+                <a:ea typeface="+mn-ea"/>
+                <a:cs typeface="+mn-cs"/>
+              </a:defRPr>
+            </a:lvl4pPr>
+            <a:lvl5pPr marL="1828800" algn="l" defTabSz="914400" rtl="0" eaLnBrk="1" latinLnBrk="0" hangingPunct="1">
+              <a:defRPr sz="1800" kern="1200">
+                <a:solidFill>
+                  <a:schemeClr val="lt1"/>
+                </a:solidFill>
+                <a:latin typeface="+mn-lt"/>
+                <a:ea typeface="+mn-ea"/>
+                <a:cs typeface="+mn-cs"/>
+              </a:defRPr>
+            </a:lvl5pPr>
+            <a:lvl6pPr marL="2286000" algn="l" defTabSz="914400" rtl="0" eaLnBrk="1" latinLnBrk="0" hangingPunct="1">
+              <a:defRPr sz="1800" kern="1200">
+                <a:solidFill>
+                  <a:schemeClr val="lt1"/>
+                </a:solidFill>
+                <a:latin typeface="+mn-lt"/>
+                <a:ea typeface="+mn-ea"/>
+                <a:cs typeface="+mn-cs"/>
+              </a:defRPr>
+            </a:lvl6pPr>
+            <a:lvl7pPr marL="2743200" algn="l" defTabSz="914400" rtl="0" eaLnBrk="1" latinLnBrk="0" hangingPunct="1">
+              <a:defRPr sz="1800" kern="1200">
+                <a:solidFill>
+                  <a:schemeClr val="lt1"/>
+                </a:solidFill>
+                <a:latin typeface="+mn-lt"/>
+                <a:ea typeface="+mn-ea"/>
+                <a:cs typeface="+mn-cs"/>
+              </a:defRPr>
+            </a:lvl7pPr>
+            <a:lvl8pPr marL="3200400" algn="l" defTabSz="914400" rtl="0" eaLnBrk="1" latinLnBrk="0" hangingPunct="1">
+              <a:defRPr sz="1800" kern="1200">
+                <a:solidFill>
+                  <a:schemeClr val="lt1"/>
+                </a:solidFill>
+                <a:latin typeface="+mn-lt"/>
+                <a:ea typeface="+mn-ea"/>
+                <a:cs typeface="+mn-cs"/>
+              </a:defRPr>
+            </a:lvl8pPr>
+            <a:lvl9pPr marL="3657600" algn="l" defTabSz="914400" rtl="0" eaLnBrk="1" latinLnBrk="0" hangingPunct="1">
+              <a:defRPr sz="1800" kern="1200">
+                <a:solidFill>
+                  <a:schemeClr val="lt1"/>
+                </a:solidFill>
+                <a:latin typeface="+mn-lt"/>
+                <a:ea typeface="+mn-ea"/>
+                <a:cs typeface="+mn-cs"/>
+              </a:defRPr>
+            </a:lvl9pPr>
+          </a:lstStyle>
+          <a:p>
+            <a:pPr algn="ctr"/>
+            <a:endParaRPr lang="en-US"/>
+          </a:p>
+        </p:txBody>
+      </p:sp>
       <p:pic>
         <p:nvPicPr>
-          <p:cNvPr id="6" name="Immagine 5">
-            <a:extLst>
-              <a:ext uri="{FF2B5EF4-FFF2-40B4-BE49-F238E27FC236}">
-                <a16:creationId xmlns:a16="http://schemas.microsoft.com/office/drawing/2014/main" id="{5F5A1156-2C90-3BFF-8258-F8A69E591590}"/>
+          <p:cNvPr id="5" name="Immagine 4" descr="Immagine che contiene testo, strumento scrittorio, spillo, matita&#10;&#10;Descrizione generata automaticamente">
+            <a:extLst>
+              <a:ext uri="{FF2B5EF4-FFF2-40B4-BE49-F238E27FC236}">
+                <a16:creationId xmlns:a16="http://schemas.microsoft.com/office/drawing/2014/main" id="{013B6B79-E1C2-AEDA-3F71-5DDCEC277E7C}"/>
               </a:ext>
             </a:extLst>
           </p:cNvPr>
@@ -3356,13 +3510,13 @@
               </a:ext>
             </a:extLst>
           </a:blip>
-          <a:srcRect b="4422"/>
+          <a:srcRect l="6483" r="8415" b="10433"/>
           <a:stretch/>
         </p:blipFill>
         <p:spPr>
           <a:xfrm>
-            <a:off x="1912033" y="0"/>
-            <a:ext cx="8017093" cy="3429000"/>
+            <a:off x="7410941" y="3443388"/>
+            <a:ext cx="4768132" cy="3349772"/>
           </a:xfrm>
           <a:prstGeom prst="rect">
             <a:avLst/>
@@ -3371,10 +3525,10 @@
       </p:pic>
       <p:pic>
         <p:nvPicPr>
-          <p:cNvPr id="3" name="Immagine 2">
-            <a:extLst>
-              <a:ext uri="{FF2B5EF4-FFF2-40B4-BE49-F238E27FC236}">
-                <a16:creationId xmlns:a16="http://schemas.microsoft.com/office/drawing/2014/main" id="{24F4A1B0-7B8A-CBE0-74CC-8FD25D8F6A7E}"/>
+          <p:cNvPr id="7" name="Immagine 6">
+            <a:extLst>
+              <a:ext uri="{FF2B5EF4-FFF2-40B4-BE49-F238E27FC236}">
+                <a16:creationId xmlns:a16="http://schemas.microsoft.com/office/drawing/2014/main" id="{8A9749B3-9B27-188A-3ED1-F07230172549}"/>
               </a:ext>
             </a:extLst>
           </p:cNvPr>
@@ -3391,25 +3545,60 @@
               </a:ext>
             </a:extLst>
           </a:blip>
-          <a:srcRect l="329" t="3435" b="4543"/>
+          <a:srcRect l="7298" t="477" r="8031" b="10533"/>
           <a:stretch/>
         </p:blipFill>
         <p:spPr>
           <a:xfrm>
-            <a:off x="1912033" y="3429000"/>
-            <a:ext cx="8017093" cy="3312297"/>
+            <a:off x="7417198" y="1"/>
+            <a:ext cx="4774802" cy="3349772"/>
           </a:xfrm>
           <a:prstGeom prst="rect">
             <a:avLst/>
           </a:prstGeom>
         </p:spPr>
       </p:pic>
-      <p:sp>
-        <p:nvSpPr>
-          <p:cNvPr id="17" name="Rettangolo con angoli arrotondati 16">
-            <a:extLst>
-              <a:ext uri="{FF2B5EF4-FFF2-40B4-BE49-F238E27FC236}">
-                <a16:creationId xmlns:a16="http://schemas.microsoft.com/office/drawing/2014/main" id="{78895991-4987-871E-7D80-943A4883EA49}"/>
+      <p:pic>
+        <p:nvPicPr>
+          <p:cNvPr id="9" name="Immagine 8">
+            <a:extLst>
+              <a:ext uri="{FF2B5EF4-FFF2-40B4-BE49-F238E27FC236}">
+                <a16:creationId xmlns:a16="http://schemas.microsoft.com/office/drawing/2014/main" id="{3667CDC2-993D-B211-D3B6-95597266E891}"/>
+              </a:ext>
+            </a:extLst>
+          </p:cNvPr>
+          <p:cNvPicPr>
+            <a:picLocks noChangeAspect="1"/>
+          </p:cNvPicPr>
+          <p:nvPr/>
+        </p:nvPicPr>
+        <p:blipFill rotWithShape="1">
+          <a:blip r:embed="rId4">
+            <a:extLst>
+              <a:ext uri="{28A0092B-C50C-407E-A947-70E740481C1C}">
+                <a14:useLocalDpi xmlns:a14="http://schemas.microsoft.com/office/drawing/2010/main" val="0"/>
+              </a:ext>
+            </a:extLst>
+          </a:blip>
+          <a:srcRect l="6772" t="-572" r="8299" b="8165"/>
+          <a:stretch/>
+        </p:blipFill>
+        <p:spPr>
+          <a:xfrm>
+            <a:off x="12927" y="823913"/>
+            <a:ext cx="7173826" cy="5210174"/>
+          </a:xfrm>
+          <a:prstGeom prst="rect">
+            <a:avLst/>
+          </a:prstGeom>
+        </p:spPr>
+      </p:pic>
+      <p:sp>
+        <p:nvSpPr>
+          <p:cNvPr id="10" name="Ovale 9">
+            <a:extLst>
+              <a:ext uri="{FF2B5EF4-FFF2-40B4-BE49-F238E27FC236}">
+                <a16:creationId xmlns:a16="http://schemas.microsoft.com/office/drawing/2014/main" id="{37427DC5-34E1-461C-0239-6D2E0C54AA97}"/>
               </a:ext>
             </a:extLst>
           </p:cNvPr>
@@ -3418,7 +3607,109 @@
         </p:nvSpPr>
         <p:spPr>
           <a:xfrm>
-            <a:off x="9530085" y="0"/>
+            <a:off x="8724900" y="2286000"/>
+            <a:ext cx="390525" cy="323850"/>
+          </a:xfrm>
+          <a:prstGeom prst="ellipse">
+            <a:avLst/>
+          </a:prstGeom>
+          <a:noFill/>
+          <a:ln>
+            <a:solidFill>
+              <a:srgbClr val="FF0000"/>
+            </a:solidFill>
+          </a:ln>
+        </p:spPr>
+        <p:style>
+          <a:lnRef idx="2">
+            <a:schemeClr val="accent6"/>
+          </a:lnRef>
+          <a:fillRef idx="1">
+            <a:schemeClr val="lt1"/>
+          </a:fillRef>
+          <a:effectRef idx="0">
+            <a:schemeClr val="accent6"/>
+          </a:effectRef>
+          <a:fontRef idx="minor">
+            <a:schemeClr val="dk1"/>
+          </a:fontRef>
+        </p:style>
+        <p:txBody>
+          <a:bodyPr rtlCol="0" anchor="ctr"/>
+          <a:lstStyle/>
+          <a:p>
+            <a:pPr algn="ctr"/>
+            <a:endParaRPr lang="it-IT"/>
+          </a:p>
+        </p:txBody>
+      </p:sp>
+      <p:sp>
+        <p:nvSpPr>
+          <p:cNvPr id="11" name="Rettangolo 10">
+            <a:extLst>
+              <a:ext uri="{FF2B5EF4-FFF2-40B4-BE49-F238E27FC236}">
+                <a16:creationId xmlns:a16="http://schemas.microsoft.com/office/drawing/2014/main" id="{F92D34B5-9B49-226C-41E6-9FA9B11F7258}"/>
+              </a:ext>
+            </a:extLst>
+          </p:cNvPr>
+          <p:cNvSpPr/>
+          <p:nvPr/>
+        </p:nvSpPr>
+        <p:spPr>
+          <a:xfrm>
+            <a:off x="9729926" y="2379216"/>
+            <a:ext cx="1047565" cy="230634"/>
+          </a:xfrm>
+          <a:prstGeom prst="rect">
+            <a:avLst/>
+          </a:prstGeom>
+          <a:noFill/>
+          <a:ln>
+            <a:solidFill>
+              <a:srgbClr val="FF0000"/>
+            </a:solidFill>
+          </a:ln>
+        </p:spPr>
+        <p:style>
+          <a:lnRef idx="2">
+            <a:schemeClr val="accent6"/>
+          </a:lnRef>
+          <a:fillRef idx="1">
+            <a:schemeClr val="lt1"/>
+          </a:fillRef>
+          <a:effectRef idx="0">
+            <a:schemeClr val="accent6"/>
+          </a:effectRef>
+          <a:fontRef idx="minor">
+            <a:schemeClr val="dk1"/>
+          </a:fontRef>
+        </p:style>
+        <p:txBody>
+          <a:bodyPr rtlCol="0" anchor="ctr"/>
+          <a:lstStyle/>
+          <a:p>
+            <a:pPr algn="ctr"/>
+            <a:endParaRPr lang="it-IT">
+              <a:noFill/>
+            </a:endParaRPr>
+          </a:p>
+        </p:txBody>
+      </p:sp>
+      <p:sp>
+        <p:nvSpPr>
+          <p:cNvPr id="12" name="Rettangolo con angoli arrotondati 11">
+            <a:extLst>
+              <a:ext uri="{FF2B5EF4-FFF2-40B4-BE49-F238E27FC236}">
+                <a16:creationId xmlns:a16="http://schemas.microsoft.com/office/drawing/2014/main" id="{F23AF813-4F3C-BCBA-1B51-257C7A13C785}"/>
+              </a:ext>
+            </a:extLst>
+          </p:cNvPr>
+          <p:cNvSpPr/>
+          <p:nvPr/>
+        </p:nvSpPr>
+        <p:spPr>
+          <a:xfrm>
+            <a:off x="452761" y="914400"/>
             <a:ext cx="292963" cy="319596"/>
           </a:xfrm>
           <a:prstGeom prst="roundRect">
@@ -3465,10 +3756,10 @@
       </p:sp>
       <p:sp>
         <p:nvSpPr>
-          <p:cNvPr id="18" name="Rettangolo con angoli arrotondati 17">
-            <a:extLst>
-              <a:ext uri="{FF2B5EF4-FFF2-40B4-BE49-F238E27FC236}">
-                <a16:creationId xmlns:a16="http://schemas.microsoft.com/office/drawing/2014/main" id="{402AD789-9CE7-04B8-4DF1-0E5DCF20A59A}"/>
+          <p:cNvPr id="13" name="Rettangolo con angoli arrotondati 12">
+            <a:extLst>
+              <a:ext uri="{FF2B5EF4-FFF2-40B4-BE49-F238E27FC236}">
+                <a16:creationId xmlns:a16="http://schemas.microsoft.com/office/drawing/2014/main" id="{1B4735EC-04DD-1E28-31C8-A92D88464453}"/>
               </a:ext>
             </a:extLst>
           </p:cNvPr>
@@ -3477,7 +3768,7 @@
         </p:nvSpPr>
         <p:spPr>
           <a:xfrm>
-            <a:off x="9530086" y="3429000"/>
+            <a:off x="7698418" y="60432"/>
             <a:ext cx="292963" cy="319596"/>
           </a:xfrm>
           <a:prstGeom prst="roundRect">
@@ -3518,6 +3809,65 @@
                 </a:solidFill>
               </a:rPr>
               <a:t>b</a:t>
+            </a:r>
+          </a:p>
+        </p:txBody>
+      </p:sp>
+      <p:sp>
+        <p:nvSpPr>
+          <p:cNvPr id="15" name="Rettangolo con angoli arrotondati 14">
+            <a:extLst>
+              <a:ext uri="{FF2B5EF4-FFF2-40B4-BE49-F238E27FC236}">
+                <a16:creationId xmlns:a16="http://schemas.microsoft.com/office/drawing/2014/main" id="{C7CF7103-3F06-C584-4546-B711806DA877}"/>
+              </a:ext>
+            </a:extLst>
+          </p:cNvPr>
+          <p:cNvSpPr/>
+          <p:nvPr/>
+        </p:nvSpPr>
+        <p:spPr>
+          <a:xfrm>
+            <a:off x="7698418" y="3446348"/>
+            <a:ext cx="292963" cy="319596"/>
+          </a:xfrm>
+          <a:prstGeom prst="roundRect">
+            <a:avLst/>
+          </a:prstGeom>
+          <a:solidFill>
+            <a:schemeClr val="accent4">
+              <a:lumMod val="60000"/>
+              <a:lumOff val="40000"/>
+            </a:schemeClr>
+          </a:solidFill>
+        </p:spPr>
+        <p:style>
+          <a:lnRef idx="2">
+            <a:schemeClr val="accent1">
+              <a:shade val="50000"/>
+            </a:schemeClr>
+          </a:lnRef>
+          <a:fillRef idx="1">
+            <a:schemeClr val="accent1"/>
+          </a:fillRef>
+          <a:effectRef idx="0">
+            <a:schemeClr val="accent1"/>
+          </a:effectRef>
+          <a:fontRef idx="minor">
+            <a:schemeClr val="lt1"/>
+          </a:fontRef>
+        </p:style>
+        <p:txBody>
+          <a:bodyPr rtlCol="0" anchor="ctr"/>
+          <a:lstStyle/>
+          <a:p>
+            <a:pPr algn="ctr"/>
+            <a:r>
+              <a:rPr lang="it-IT" dirty="0">
+                <a:solidFill>
+                  <a:schemeClr val="tx1"/>
+                </a:solidFill>
+              </a:rPr>
+              <a:t>c</a:t>
             </a:r>
           </a:p>
         </p:txBody>
